--- a/docs/Slides.pptx
+++ b/docs/Slides.pptx
@@ -36,6 +36,8 @@
     <p:sldId id="278" r:id="rId30"/>
     <p:sldId id="286" r:id="rId31"/>
     <p:sldId id="271" r:id="rId32"/>
+    <p:sldId id="288" r:id="rId33"/>
+    <p:sldId id="287" r:id="rId34"/>
   </p:sldIdLst>
   <p:sldSz cx="12192000" cy="6858000"/>
   <p:notesSz cx="6858000" cy="9144000"/>
@@ -134,6 +136,11 @@
       </a:defRPr>
     </a:lvl9pPr>
   </p:defaultTextStyle>
+  <p:extLst>
+    <p:ext uri="{EFAFB233-063F-42B5-8137-9DF3F51BA10A}">
+      <p15:sldGuideLst xmlns:p15="http://schemas.microsoft.com/office/powerpoint/2012/main"/>
+    </p:ext>
+  </p:extLst>
 </p:presentation>
 </file>
 
@@ -5943,6 +5950,218 @@
 </p:sld>
 </file>
 
+<file path=ppt/slides/slide32.xml><?xml version="1.0" encoding="utf-8"?>
+<p:sld xmlns:a="http://schemas.openxmlformats.org/drawingml/2006/main" xmlns:r="http://schemas.openxmlformats.org/officeDocument/2006/relationships" xmlns:p="http://schemas.openxmlformats.org/presentationml/2006/main">
+  <p:cSld>
+    <p:spTree>
+      <p:nvGrpSpPr>
+        <p:cNvPr id="1" name=""/>
+        <p:cNvGrpSpPr/>
+        <p:nvPr/>
+      </p:nvGrpSpPr>
+      <p:grpSpPr>
+        <a:xfrm>
+          <a:off x="0" y="0"/>
+          <a:ext cx="0" cy="0"/>
+          <a:chOff x="0" y="0"/>
+          <a:chExt cx="0" cy="0"/>
+        </a:xfrm>
+      </p:grpSpPr>
+      <p:sp>
+        <p:nvSpPr>
+          <p:cNvPr id="2" name="Title 1">
+            <a:extLst>
+              <a:ext uri="{FF2B5EF4-FFF2-40B4-BE49-F238E27FC236}">
+                <a16:creationId xmlns:a16="http://schemas.microsoft.com/office/drawing/2014/main" id="{343CA84D-9EE0-4E2D-AF8B-6A617C9C1D98}"/>
+              </a:ext>
+            </a:extLst>
+          </p:cNvPr>
+          <p:cNvSpPr>
+            <a:spLocks noGrp="1"/>
+          </p:cNvSpPr>
+          <p:nvPr>
+            <p:ph type="title"/>
+          </p:nvPr>
+        </p:nvSpPr>
+        <p:spPr/>
+        <p:txBody>
+          <a:bodyPr/>
+          <a:lstStyle/>
+          <a:p>
+            <a:r>
+              <a:rPr lang="en-US" dirty="0"/>
+              <a:t>Further Reading</a:t>
+            </a:r>
+            <a:endParaRPr lang="en-SG" dirty="0"/>
+          </a:p>
+        </p:txBody>
+      </p:sp>
+      <p:sp>
+        <p:nvSpPr>
+          <p:cNvPr id="3" name="Content Placeholder 2">
+            <a:extLst>
+              <a:ext uri="{FF2B5EF4-FFF2-40B4-BE49-F238E27FC236}">
+                <a16:creationId xmlns:a16="http://schemas.microsoft.com/office/drawing/2014/main" id="{FA792C2B-2EFC-46CD-B693-45EC7DB02474}"/>
+              </a:ext>
+            </a:extLst>
+          </p:cNvPr>
+          <p:cNvSpPr>
+            <a:spLocks noGrp="1"/>
+          </p:cNvSpPr>
+          <p:nvPr>
+            <p:ph idx="1"/>
+          </p:nvPr>
+        </p:nvSpPr>
+        <p:spPr/>
+        <p:txBody>
+          <a:bodyPr/>
+          <a:lstStyle/>
+          <a:p>
+            <a:r>
+              <a:rPr lang="en-US" dirty="0"/>
+              <a:t>Kotlin Documentation</a:t>
+            </a:r>
+          </a:p>
+          <a:p>
+            <a:r>
+              <a:rPr lang="en-US" dirty="0" err="1"/>
+              <a:t>HotBot</a:t>
+            </a:r>
+            <a:endParaRPr lang="en-US" dirty="0"/>
+          </a:p>
+          <a:p>
+            <a:r>
+              <a:rPr lang="en-US" dirty="0"/>
+              <a:t>Taiga</a:t>
+            </a:r>
+          </a:p>
+          <a:p>
+            <a:r>
+              <a:rPr lang="en-US" dirty="0"/>
+              <a:t>Exposed Framework</a:t>
+            </a:r>
+            <a:endParaRPr lang="en-SG" dirty="0"/>
+          </a:p>
+        </p:txBody>
+      </p:sp>
+      <p:sp>
+        <p:nvSpPr>
+          <p:cNvPr id="4" name="Rectangle 3">
+            <a:extLst>
+              <a:ext uri="{FF2B5EF4-FFF2-40B4-BE49-F238E27FC236}">
+                <a16:creationId xmlns:a16="http://schemas.microsoft.com/office/drawing/2014/main" id="{898689C4-B5B8-4A2D-9AE3-E3DBBE0B68FA}"/>
+              </a:ext>
+            </a:extLst>
+          </p:cNvPr>
+          <p:cNvSpPr/>
+          <p:nvPr/>
+        </p:nvSpPr>
+        <p:spPr>
+          <a:xfrm>
+            <a:off x="507275" y="4724001"/>
+            <a:ext cx="11177450" cy="523220"/>
+          </a:xfrm>
+          <a:prstGeom prst="rect">
+            <a:avLst/>
+          </a:prstGeom>
+        </p:spPr>
+        <p:txBody>
+          <a:bodyPr wrap="square">
+            <a:spAutoFit/>
+          </a:bodyPr>
+          <a:lstStyle/>
+          <a:p>
+            <a:r>
+              <a:rPr lang="en-SG" sz="2800" dirty="0">
+                <a:solidFill>
+                  <a:schemeClr val="accent5">
+                    <a:lumMod val="75000"/>
+                  </a:schemeClr>
+                </a:solidFill>
+                <a:latin typeface="Source Code Pro" panose="020B0509030403020204" pitchFamily="49" charset="0"/>
+              </a:rPr>
+              <a:t>https://woojiahao.github.io/KotlinToDo/#/conclusion</a:t>
+            </a:r>
+          </a:p>
+        </p:txBody>
+      </p:sp>
+    </p:spTree>
+    <p:extLst>
+      <p:ext uri="{BB962C8B-B14F-4D97-AF65-F5344CB8AC3E}">
+        <p14:creationId xmlns:p14="http://schemas.microsoft.com/office/powerpoint/2010/main" val="208119927"/>
+      </p:ext>
+    </p:extLst>
+  </p:cSld>
+  <p:clrMapOvr>
+    <a:masterClrMapping/>
+  </p:clrMapOvr>
+</p:sld>
+</file>
+
+<file path=ppt/slides/slide33.xml><?xml version="1.0" encoding="utf-8"?>
+<p:sld xmlns:a="http://schemas.openxmlformats.org/drawingml/2006/main" xmlns:r="http://schemas.openxmlformats.org/officeDocument/2006/relationships" xmlns:p="http://schemas.openxmlformats.org/presentationml/2006/main">
+  <p:cSld>
+    <p:spTree>
+      <p:nvGrpSpPr>
+        <p:cNvPr id="1" name=""/>
+        <p:cNvGrpSpPr/>
+        <p:nvPr/>
+      </p:nvGrpSpPr>
+      <p:grpSpPr>
+        <a:xfrm>
+          <a:off x="0" y="0"/>
+          <a:ext cx="0" cy="0"/>
+          <a:chOff x="0" y="0"/>
+          <a:chExt cx="0" cy="0"/>
+        </a:xfrm>
+      </p:grpSpPr>
+      <p:sp>
+        <p:nvSpPr>
+          <p:cNvPr id="2" name="Title 1">
+            <a:extLst>
+              <a:ext uri="{FF2B5EF4-FFF2-40B4-BE49-F238E27FC236}">
+                <a16:creationId xmlns:a16="http://schemas.microsoft.com/office/drawing/2014/main" id="{DFC1787A-B1AD-4212-8EF5-226A5253C6E9}"/>
+              </a:ext>
+            </a:extLst>
+          </p:cNvPr>
+          <p:cNvSpPr>
+            <a:spLocks noGrp="1"/>
+          </p:cNvSpPr>
+          <p:nvPr>
+            <p:ph type="ctrTitle"/>
+          </p:nvPr>
+        </p:nvSpPr>
+        <p:spPr>
+          <a:xfrm>
+            <a:off x="1524000" y="3000894"/>
+            <a:ext cx="9144000" cy="1016145"/>
+          </a:xfrm>
+        </p:spPr>
+        <p:txBody>
+          <a:bodyPr/>
+          <a:lstStyle/>
+          <a:p>
+            <a:r>
+              <a:rPr lang="en-US" dirty="0"/>
+              <a:t>Thank You</a:t>
+            </a:r>
+            <a:endParaRPr lang="en-SG" dirty="0"/>
+          </a:p>
+        </p:txBody>
+      </p:sp>
+    </p:spTree>
+    <p:extLst>
+      <p:ext uri="{BB962C8B-B14F-4D97-AF65-F5344CB8AC3E}">
+        <p14:creationId xmlns:p14="http://schemas.microsoft.com/office/powerpoint/2010/main" val="2896972782"/>
+      </p:ext>
+    </p:extLst>
+  </p:cSld>
+  <p:clrMapOvr>
+    <a:masterClrMapping/>
+  </p:clrMapOvr>
+</p:sld>
+</file>
+
 <file path=ppt/slides/slide4.xml><?xml version="1.0" encoding="utf-8"?>
 <p:sld xmlns:a="http://schemas.openxmlformats.org/drawingml/2006/main" xmlns:r="http://schemas.openxmlformats.org/officeDocument/2006/relationships" xmlns:p="http://schemas.openxmlformats.org/presentationml/2006/main">
   <p:cSld>
